--- a/otel teoria/Day 2 session Zaawansowane Tematy OpenTelemetry.pptx
+++ b/otel teoria/Day 2 session Zaawansowane Tematy OpenTelemetry.pptx
@@ -6,7 +6,7 @@
   </p:sldMasterIdLst>
   <p:sldIdLst>
     <p:sldId id="256" r:id="rId2"/>
-    <p:sldId id="257" r:id="rId3"/>
+    <p:sldId id="314" r:id="rId3"/>
     <p:sldId id="272" r:id="rId4"/>
     <p:sldId id="300" r:id="rId5"/>
     <p:sldId id="285" r:id="rId6"/>
@@ -323,7 +323,7 @@
           <a:p>
             <a:fld id="{5BCAD085-E8A6-8845-BD4E-CB4CCA059FC4}" type="datetimeFigureOut">
               <a:rPr lang="en-US" smtClean="0"/>
-              <a:t>9/29/24</a:t>
+              <a:t>10/1/24</a:t>
             </a:fld>
             <a:endParaRPr lang="en-US"/>
           </a:p>
@@ -491,7 +491,7 @@
           <a:p>
             <a:fld id="{5BCAD085-E8A6-8845-BD4E-CB4CCA059FC4}" type="datetimeFigureOut">
               <a:rPr lang="en-US" smtClean="0"/>
-              <a:t>9/29/24</a:t>
+              <a:t>10/1/24</a:t>
             </a:fld>
             <a:endParaRPr lang="en-US"/>
           </a:p>
@@ -669,7 +669,7 @@
           <a:p>
             <a:fld id="{5BCAD085-E8A6-8845-BD4E-CB4CCA059FC4}" type="datetimeFigureOut">
               <a:rPr lang="en-US" smtClean="0"/>
-              <a:t>9/29/24</a:t>
+              <a:t>10/1/24</a:t>
             </a:fld>
             <a:endParaRPr lang="en-US"/>
           </a:p>
@@ -837,7 +837,7 @@
           <a:p>
             <a:fld id="{5BCAD085-E8A6-8845-BD4E-CB4CCA059FC4}" type="datetimeFigureOut">
               <a:rPr lang="en-US" smtClean="0"/>
-              <a:t>9/29/24</a:t>
+              <a:t>10/1/24</a:t>
             </a:fld>
             <a:endParaRPr lang="en-US"/>
           </a:p>
@@ -1082,7 +1082,7 @@
           <a:p>
             <a:fld id="{5BCAD085-E8A6-8845-BD4E-CB4CCA059FC4}" type="datetimeFigureOut">
               <a:rPr lang="en-US" smtClean="0"/>
-              <a:t>9/29/24</a:t>
+              <a:t>10/1/24</a:t>
             </a:fld>
             <a:endParaRPr lang="en-US"/>
           </a:p>
@@ -1367,7 +1367,7 @@
           <a:p>
             <a:fld id="{5BCAD085-E8A6-8845-BD4E-CB4CCA059FC4}" type="datetimeFigureOut">
               <a:rPr lang="en-US" smtClean="0"/>
-              <a:t>9/29/24</a:t>
+              <a:t>10/1/24</a:t>
             </a:fld>
             <a:endParaRPr lang="en-US"/>
           </a:p>
@@ -1786,7 +1786,7 @@
           <a:p>
             <a:fld id="{5BCAD085-E8A6-8845-BD4E-CB4CCA059FC4}" type="datetimeFigureOut">
               <a:rPr lang="en-US" smtClean="0"/>
-              <a:t>9/29/24</a:t>
+              <a:t>10/1/24</a:t>
             </a:fld>
             <a:endParaRPr lang="en-US"/>
           </a:p>
@@ -1903,7 +1903,7 @@
           <a:p>
             <a:fld id="{5BCAD085-E8A6-8845-BD4E-CB4CCA059FC4}" type="datetimeFigureOut">
               <a:rPr lang="en-US" smtClean="0"/>
-              <a:t>9/29/24</a:t>
+              <a:t>10/1/24</a:t>
             </a:fld>
             <a:endParaRPr lang="en-US"/>
           </a:p>
@@ -1998,7 +1998,7 @@
           <a:p>
             <a:fld id="{5BCAD085-E8A6-8845-BD4E-CB4CCA059FC4}" type="datetimeFigureOut">
               <a:rPr lang="en-US" smtClean="0"/>
-              <a:t>9/29/24</a:t>
+              <a:t>10/1/24</a:t>
             </a:fld>
             <a:endParaRPr lang="en-US"/>
           </a:p>
@@ -2273,7 +2273,7 @@
           <a:p>
             <a:fld id="{5BCAD085-E8A6-8845-BD4E-CB4CCA059FC4}" type="datetimeFigureOut">
               <a:rPr lang="en-US" smtClean="0"/>
-              <a:t>9/29/24</a:t>
+              <a:t>10/1/24</a:t>
             </a:fld>
             <a:endParaRPr lang="en-US"/>
           </a:p>
@@ -2525,7 +2525,7 @@
           <a:p>
             <a:fld id="{5BCAD085-E8A6-8845-BD4E-CB4CCA059FC4}" type="datetimeFigureOut">
               <a:rPr lang="en-US" smtClean="0"/>
-              <a:t>9/29/24</a:t>
+              <a:t>10/1/24</a:t>
             </a:fld>
             <a:endParaRPr lang="en-US"/>
           </a:p>
@@ -2736,7 +2736,7 @@
           <a:p>
             <a:fld id="{5BCAD085-E8A6-8845-BD4E-CB4CCA059FC4}" type="datetimeFigureOut">
               <a:rPr lang="en-US" smtClean="0"/>
-              <a:t>9/29/24</a:t>
+              <a:t>10/1/24</a:t>
             </a:fld>
             <a:endParaRPr lang="en-US"/>
           </a:p>
@@ -3290,23 +3290,7 @@
                   <a:srgbClr val="00FF00"/>
                 </a:highlight>
               </a:rPr>
-              <a:t>Sesja 2: Zaawansowane Tematy </a:t>
-            </a:r>
-            <a:r>
-              <a:rPr lang="pl-PL" sz="1800" dirty="0" err="1">
-                <a:highlight>
-                  <a:srgbClr val="00FF00"/>
-                </a:highlight>
-              </a:rPr>
-              <a:t>OpenTelemetry</a:t>
-            </a:r>
-            <a:r>
-              <a:rPr lang="pl-PL" sz="1800" dirty="0">
-                <a:highlight>
-                  <a:srgbClr val="00FF00"/>
-                </a:highlight>
-              </a:rPr>
-              <a:t>: </a:t>
+              <a:t>Sesja 1: Zaawansowane Tematy OpenTelemetry: </a:t>
             </a:r>
             <a:r>
               <a:rPr lang="pl-PL" sz="1800" i="0" u="none" strike="noStrike" dirty="0">
@@ -3836,23 +3820,7 @@
                   <a:srgbClr val="00FF00"/>
                 </a:highlight>
               </a:rPr>
-              <a:t>Sesja 2: Zaawansowane Tematy </a:t>
-            </a:r>
-            <a:r>
-              <a:rPr lang="pl-PL" sz="1800" dirty="0" err="1">
-                <a:highlight>
-                  <a:srgbClr val="00FF00"/>
-                </a:highlight>
-              </a:rPr>
-              <a:t>OpenTelemetry</a:t>
-            </a:r>
-            <a:r>
-              <a:rPr lang="pl-PL" sz="1800" dirty="0">
-                <a:highlight>
-                  <a:srgbClr val="00FF00"/>
-                </a:highlight>
-              </a:rPr>
-              <a:t>: </a:t>
+              <a:t>Sesja 1: Zaawansowane Tematy OpenTelemetry: </a:t>
             </a:r>
             <a:r>
               <a:rPr lang="pl-PL" sz="1800" i="0" u="none" strike="noStrike" dirty="0">
@@ -4266,23 +4234,7 @@
                   <a:srgbClr val="00FF00"/>
                 </a:highlight>
               </a:rPr>
-              <a:t>Sesja 2: Zaawansowane Tematy </a:t>
-            </a:r>
-            <a:r>
-              <a:rPr lang="pl-PL" sz="1800" dirty="0" err="1">
-                <a:highlight>
-                  <a:srgbClr val="00FF00"/>
-                </a:highlight>
-              </a:rPr>
-              <a:t>OpenTelemetry</a:t>
-            </a:r>
-            <a:r>
-              <a:rPr lang="pl-PL" sz="1800" dirty="0">
-                <a:highlight>
-                  <a:srgbClr val="00FF00"/>
-                </a:highlight>
-              </a:rPr>
-              <a:t>: </a:t>
+              <a:t>Sesja 1: Zaawansowane Tematy OpenTelemetry: </a:t>
             </a:r>
             <a:r>
               <a:rPr lang="pl-PL" sz="1800" i="0" u="none" strike="noStrike" dirty="0">
@@ -4654,7 +4606,7 @@
                   <a:srgbClr val="00FF00"/>
                 </a:highlight>
               </a:rPr>
-              <a:t> 2: </a:t>
+              <a:t> 1: </a:t>
             </a:r>
             <a:r>
               <a:rPr lang="en-GB" sz="1800" dirty="0" err="1">
@@ -4686,15 +4638,7 @@
                   <a:srgbClr val="00FF00"/>
                 </a:highlight>
               </a:rPr>
-              <a:t> </a:t>
-            </a:r>
-            <a:r>
-              <a:rPr lang="en-GB" sz="1800" dirty="0" err="1">
-                <a:highlight>
-                  <a:srgbClr val="00FF00"/>
-                </a:highlight>
-              </a:rPr>
-              <a:t>OpenTelemetry</a:t>
+              <a:t> OpenTelemetry</a:t>
             </a:r>
             <a:endParaRPr lang="en-GB" sz="2000" dirty="0">
               <a:highlight>
@@ -4842,23 +4786,7 @@
                   <a:srgbClr val="00FF00"/>
                 </a:highlight>
               </a:rPr>
-              <a:t>Sesja 2: Zaawansowane Tematy </a:t>
-            </a:r>
-            <a:r>
-              <a:rPr lang="pl-PL" sz="1800" dirty="0" err="1">
-                <a:highlight>
-                  <a:srgbClr val="00FF00"/>
-                </a:highlight>
-              </a:rPr>
-              <a:t>OpenTelemetry</a:t>
-            </a:r>
-            <a:r>
-              <a:rPr lang="pl-PL" sz="1800" dirty="0">
-                <a:highlight>
-                  <a:srgbClr val="00FF00"/>
-                </a:highlight>
-              </a:rPr>
-              <a:t>: Śledzenie systemów rozproszonych </a:t>
+              <a:t>Sesja 1: Zaawansowane Tematy OpenTelemetry: Śledzenie systemów rozproszonych </a:t>
             </a:r>
             <a:endParaRPr lang="pl-PL" sz="2000" dirty="0">
               <a:highlight>
@@ -5188,23 +5116,7 @@
                   <a:srgbClr val="00FF00"/>
                 </a:highlight>
               </a:rPr>
-              <a:t>Sesja 2: Zaawansowane Tematy </a:t>
-            </a:r>
-            <a:r>
-              <a:rPr lang="pl-PL" sz="1800" dirty="0" err="1">
-                <a:highlight>
-                  <a:srgbClr val="00FF00"/>
-                </a:highlight>
-              </a:rPr>
-              <a:t>OpenTelemetry</a:t>
-            </a:r>
-            <a:r>
-              <a:rPr lang="pl-PL" sz="1800" dirty="0">
-                <a:highlight>
-                  <a:srgbClr val="00FF00"/>
-                </a:highlight>
-              </a:rPr>
-              <a:t>: Śledzenie systemów rozproszonych </a:t>
+              <a:t>Sesja 1: Zaawansowane Tematy OpenTelemetry: Śledzenie systemów rozproszonych </a:t>
             </a:r>
             <a:endParaRPr lang="pl-PL" sz="2000" dirty="0">
               <a:highlight>
@@ -5449,23 +5361,7 @@
                   <a:srgbClr val="00FF00"/>
                 </a:highlight>
               </a:rPr>
-              <a:t>Sesja 2: Zaawansowane Tematy </a:t>
-            </a:r>
-            <a:r>
-              <a:rPr lang="pl-PL" sz="1800" dirty="0" err="1">
-                <a:highlight>
-                  <a:srgbClr val="00FF00"/>
-                </a:highlight>
-              </a:rPr>
-              <a:t>OpenTelemetry</a:t>
-            </a:r>
-            <a:r>
-              <a:rPr lang="pl-PL" sz="1800" dirty="0">
-                <a:highlight>
-                  <a:srgbClr val="00FF00"/>
-                </a:highlight>
-              </a:rPr>
-              <a:t>: Śledzenie systemów rozproszonych </a:t>
+              <a:t>Sesja 1: Zaawansowane Tematy OpenTelemetry: Śledzenie systemów rozproszonych </a:t>
             </a:r>
             <a:endParaRPr lang="pl-PL" sz="2000" dirty="0">
               <a:highlight>
@@ -6043,7 +5939,7 @@
                   <a:srgbClr val="00FF00"/>
                 </a:highlight>
               </a:rPr>
-              <a:t> 2: </a:t>
+              <a:t> 1: </a:t>
             </a:r>
             <a:r>
               <a:rPr lang="en-GB" sz="1800" dirty="0" err="1">
@@ -6075,15 +5971,7 @@
                   <a:srgbClr val="00FF00"/>
                 </a:highlight>
               </a:rPr>
-              <a:t> </a:t>
-            </a:r>
-            <a:r>
-              <a:rPr lang="en-GB" sz="1800" dirty="0" err="1">
-                <a:highlight>
-                  <a:srgbClr val="00FF00"/>
-                </a:highlight>
-              </a:rPr>
-              <a:t>OpenTelemetry</a:t>
+              <a:t> OpenTelemetry</a:t>
             </a:r>
             <a:endParaRPr lang="en-GB" sz="2000" dirty="0">
               <a:highlight>
@@ -6227,23 +6115,7 @@
                   <a:srgbClr val="00FF00"/>
                 </a:highlight>
               </a:rPr>
-              <a:t>Sesja 2: Zaawansowane Tematy </a:t>
-            </a:r>
-            <a:r>
-              <a:rPr lang="pl-PL" sz="1800" dirty="0" err="1">
-                <a:highlight>
-                  <a:srgbClr val="00FF00"/>
-                </a:highlight>
-              </a:rPr>
-              <a:t>OpenTelemetry</a:t>
-            </a:r>
-            <a:r>
-              <a:rPr lang="pl-PL" sz="1800" dirty="0">
-                <a:highlight>
-                  <a:srgbClr val="00FF00"/>
-                </a:highlight>
-              </a:rPr>
-              <a:t>: </a:t>
+              <a:t>Sesja 1: Zaawansowane Tematy OpenTelemetry: </a:t>
             </a:r>
             <a:r>
               <a:rPr lang="en-GB" sz="1800" dirty="0">
@@ -6983,7 +6855,7 @@
                   <a:srgbClr val="00FF00"/>
                 </a:highlight>
               </a:rPr>
-              <a:t> 2: </a:t>
+              <a:t> 1: </a:t>
             </a:r>
             <a:r>
               <a:rPr lang="en-GB" sz="1800" dirty="0" err="1">
@@ -7015,23 +6887,7 @@
                   <a:srgbClr val="00FF00"/>
                 </a:highlight>
               </a:rPr>
-              <a:t> </a:t>
-            </a:r>
-            <a:r>
-              <a:rPr lang="en-GB" sz="1800" dirty="0" err="1">
-                <a:highlight>
-                  <a:srgbClr val="00FF00"/>
-                </a:highlight>
-              </a:rPr>
-              <a:t>OpenTelemetry</a:t>
-            </a:r>
-            <a:r>
-              <a:rPr lang="en-GB" sz="1800" dirty="0">
-                <a:highlight>
-                  <a:srgbClr val="00FF00"/>
-                </a:highlight>
-              </a:rPr>
-              <a:t>: Best Practices </a:t>
+              <a:t> OpenTelemetry: Best Practices </a:t>
             </a:r>
             <a:endParaRPr lang="en-GB" sz="2000" dirty="0">
               <a:highlight>
@@ -7589,7 +7445,7 @@
             </a:r>
             <a:r>
               <a:rPr lang="en-GB" sz="1400" dirty="0" err="1"/>
-              <a:t>Wizualizacja</a:t>
+              <a:t>Zaawansowane</a:t>
             </a:r>
             <a:r>
               <a:rPr lang="en-GB" sz="1400" dirty="0"/>
@@ -7597,25 +7453,12 @@
             </a:r>
             <a:r>
               <a:rPr lang="en-GB" sz="1400" dirty="0" err="1"/>
-              <a:t>Danych</a:t>
+              <a:t>Tematy</a:t>
             </a:r>
             <a:r>
               <a:rPr lang="en-GB" sz="1400" dirty="0"/>
-              <a:t> </a:t>
-            </a:r>
-            <a:r>
-              <a:rPr lang="en-GB" sz="1400" dirty="0" err="1"/>
-              <a:t>Telemetrycznych</a:t>
-            </a:r>
-            <a:r>
-              <a:rPr lang="en-GB" sz="1400" dirty="0"/>
-              <a:t> z </a:t>
-            </a:r>
-            <a:r>
-              <a:rPr lang="en-GB" sz="1400" dirty="0" err="1"/>
-              <a:t>Grafaną</a:t>
-            </a:r>
-            <a:endParaRPr lang="en-GB" sz="1400" dirty="0"/>
+              <a:t> OpenTelemetry</a:t>
+            </a:r>
           </a:p>
           <a:p>
             <a:pPr marL="571500" lvl="1" indent="-171450">
@@ -7623,6 +7466,44 @@
               <a:buChar char="•"/>
             </a:pPr>
             <a:r>
+              <a:rPr lang="en-GB" sz="1400" dirty="0" err="1"/>
+              <a:t>Sesja</a:t>
+            </a:r>
+            <a:r>
+              <a:rPr lang="en-GB" sz="1400" dirty="0"/>
+              <a:t> 2: </a:t>
+            </a:r>
+            <a:r>
+              <a:rPr lang="en-GB" sz="1400" dirty="0" err="1"/>
+              <a:t>Rozwiązywanie</a:t>
+            </a:r>
+            <a:r>
+              <a:rPr lang="en-GB" sz="1400" dirty="0"/>
+              <a:t> </a:t>
+            </a:r>
+            <a:r>
+              <a:rPr lang="en-GB" sz="1400" dirty="0" err="1"/>
+              <a:t>Problemów</a:t>
+            </a:r>
+            <a:r>
+              <a:rPr lang="en-GB" sz="1400" dirty="0"/>
+              <a:t> </a:t>
+            </a:r>
+            <a:r>
+              <a:rPr lang="en-GB" sz="1400" dirty="0" err="1"/>
+              <a:t>i</a:t>
+            </a:r>
+            <a:r>
+              <a:rPr lang="en-GB" sz="1400" dirty="0"/>
+              <a:t> Analiza</a:t>
+            </a:r>
+          </a:p>
+          <a:p>
+            <a:pPr marL="571500" lvl="1" indent="-171450">
+              <a:buFont typeface="Arial" panose="020B0604020202020204" pitchFamily="34" charset="0"/>
+              <a:buChar char="•"/>
+            </a:pPr>
+            <a:r>
               <a:rPr lang="en-GB" sz="1400" dirty="0" err="1">
                 <a:highlight>
                   <a:srgbClr val="00FF00"/>
@@ -7636,7 +7517,7 @@
                   <a:srgbClr val="00FF00"/>
                 </a:highlight>
               </a:rPr>
-              <a:t> 2: </a:t>
+              <a:t> 3: </a:t>
             </a:r>
             <a:r>
               <a:rPr lang="en-GB" sz="1400" dirty="0" err="1">
@@ -7644,7 +7525,7 @@
                   <a:srgbClr val="00FF00"/>
                 </a:highlight>
               </a:rPr>
-              <a:t>Zaawansowane</a:t>
+              <a:t>Wizualizacja</a:t>
             </a:r>
             <a:r>
               <a:rPr lang="en-GB" sz="1400" dirty="0">
@@ -7660,7 +7541,7 @@
                   <a:srgbClr val="00FF00"/>
                 </a:highlight>
               </a:rPr>
-              <a:t>Tematy</a:t>
+              <a:t>Danych</a:t>
             </a:r>
             <a:r>
               <a:rPr lang="en-GB" sz="1400" dirty="0">
@@ -7676,51 +7557,29 @@
                   <a:srgbClr val="00FF00"/>
                 </a:highlight>
               </a:rPr>
-              <a:t>OpenTelemetry</a:t>
+              <a:t>Telemetrycznych</a:t>
+            </a:r>
+            <a:r>
+              <a:rPr lang="en-GB" sz="1400" dirty="0">
+                <a:highlight>
+                  <a:srgbClr val="00FF00"/>
+                </a:highlight>
+              </a:rPr>
+              <a:t> z </a:t>
+            </a:r>
+            <a:r>
+              <a:rPr lang="en-GB" sz="1400" dirty="0" err="1">
+                <a:highlight>
+                  <a:srgbClr val="00FF00"/>
+                </a:highlight>
+              </a:rPr>
+              <a:t>Grafaną</a:t>
             </a:r>
             <a:endParaRPr lang="en-GB" sz="1400" dirty="0">
               <a:highlight>
                 <a:srgbClr val="00FF00"/>
               </a:highlight>
             </a:endParaRPr>
-          </a:p>
-          <a:p>
-            <a:pPr marL="571500" lvl="1" indent="-171450">
-              <a:buFont typeface="Arial" panose="020B0604020202020204" pitchFamily="34" charset="0"/>
-              <a:buChar char="•"/>
-            </a:pPr>
-            <a:r>
-              <a:rPr lang="en-GB" sz="1400" dirty="0" err="1"/>
-              <a:t>Sesja</a:t>
-            </a:r>
-            <a:r>
-              <a:rPr lang="en-GB" sz="1400" dirty="0"/>
-              <a:t> 3: </a:t>
-            </a:r>
-            <a:r>
-              <a:rPr lang="en-GB" sz="1400" dirty="0" err="1"/>
-              <a:t>Rozwiązywanie</a:t>
-            </a:r>
-            <a:r>
-              <a:rPr lang="en-GB" sz="1400" dirty="0"/>
-              <a:t> </a:t>
-            </a:r>
-            <a:r>
-              <a:rPr lang="en-GB" sz="1400" dirty="0" err="1"/>
-              <a:t>Problemów</a:t>
-            </a:r>
-            <a:r>
-              <a:rPr lang="en-GB" sz="1400" dirty="0"/>
-              <a:t> </a:t>
-            </a:r>
-            <a:r>
-              <a:rPr lang="en-GB" sz="1400" dirty="0" err="1"/>
-              <a:t>i</a:t>
-            </a:r>
-            <a:r>
-              <a:rPr lang="en-GB" sz="1400" dirty="0"/>
-              <a:t> Analiza</a:t>
-            </a:r>
           </a:p>
           <a:p>
             <a:pPr marL="571500" lvl="1" indent="-171450">
@@ -7940,7 +7799,7 @@
                   <a:srgbClr val="00FF00"/>
                 </a:highlight>
               </a:rPr>
-              <a:t> 2: </a:t>
+              <a:t> 1: </a:t>
             </a:r>
             <a:r>
               <a:rPr lang="en-GB" sz="1800" dirty="0" err="1">
@@ -7972,15 +7831,7 @@
                   <a:srgbClr val="00FF00"/>
                 </a:highlight>
               </a:rPr>
-              <a:t> </a:t>
-            </a:r>
-            <a:r>
-              <a:rPr lang="en-GB" sz="1800" dirty="0" err="1">
-                <a:highlight>
-                  <a:srgbClr val="00FF00"/>
-                </a:highlight>
-              </a:rPr>
-              <a:t>OpenTelemetry</a:t>
+              <a:t> OpenTelemetry</a:t>
             </a:r>
             <a:endParaRPr lang="en-GB" sz="2000" dirty="0">
               <a:highlight>
@@ -8132,23 +7983,7 @@
                   <a:srgbClr val="00FF00"/>
                 </a:highlight>
               </a:rPr>
-              <a:t>Sesja 2: Zaawansowane Tematy </a:t>
-            </a:r>
-            <a:r>
-              <a:rPr lang="pl-PL" sz="1800" dirty="0" err="1">
-                <a:highlight>
-                  <a:srgbClr val="00FF00"/>
-                </a:highlight>
-              </a:rPr>
-              <a:t>OpenTelemetry</a:t>
-            </a:r>
-            <a:r>
-              <a:rPr lang="pl-PL" sz="1800" dirty="0">
-                <a:highlight>
-                  <a:srgbClr val="00FF00"/>
-                </a:highlight>
-              </a:rPr>
-              <a:t>: Bezpieczeństwo</a:t>
+              <a:t>Sesja 1: Zaawansowane Tematy OpenTelemetry: Bezpieczeństwo</a:t>
             </a:r>
             <a:endParaRPr lang="pl-PL" sz="2000" dirty="0">
               <a:highlight>
@@ -8664,12 +8499,20 @@
               </a:rPr>
             </a:br>
             <a:r>
+              <a:rPr lang="pl-PL" sz="1800">
+                <a:highlight>
+                  <a:srgbClr val="00FF00"/>
+                </a:highlight>
+              </a:rPr>
+              <a:t>Sesja 1: </a:t>
+            </a:r>
+            <a:r>
               <a:rPr lang="pl-PL" sz="1800" dirty="0">
                 <a:highlight>
                   <a:srgbClr val="00FF00"/>
                 </a:highlight>
               </a:rPr>
-              <a:t>Sesja 2: Zaawansowane Tematy </a:t>
+              <a:t>Zaawansowane Tematy </a:t>
             </a:r>
             <a:r>
               <a:rPr lang="pl-PL" sz="1800" dirty="0" err="1">
@@ -9185,7 +9028,7 @@
                   <a:srgbClr val="00FF00"/>
                 </a:highlight>
               </a:rPr>
-              <a:t>Sesja 2: Zaawansowane Tematy OpenTelemetry</a:t>
+              <a:t>Sesja 1: Zaawansowane Tematy OpenTelemetry</a:t>
             </a:r>
             <a:endParaRPr lang="pl-PL" sz="2000" dirty="0">
               <a:highlight>
@@ -9357,7 +9200,7 @@
                   <a:srgbClr val="00FF00"/>
                 </a:highlight>
               </a:rPr>
-              <a:t>Sesja 2: Zaawansowane Tematy OpenTelemetry</a:t>
+              <a:t>Sesja 1: Zaawansowane Tematy OpenTelemetry</a:t>
             </a:r>
             <a:endParaRPr lang="pl-PL" sz="2000" dirty="0">
               <a:highlight>
@@ -9504,7 +9347,7 @@
                   <a:srgbClr val="00FF00"/>
                 </a:highlight>
               </a:rPr>
-              <a:t>Sesja 2: Zaawansowane Tematy OpenTelemetry: Minimalizacja obciążenia </a:t>
+              <a:t>Sesja 1: Zaawansowane Tematy OpenTelemetry: Minimalizacja obciążenia </a:t>
             </a:r>
             <a:endParaRPr lang="pl-PL" sz="2000" dirty="0">
               <a:highlight>
@@ -9691,23 +9534,7 @@
                   <a:srgbClr val="00FF00"/>
                 </a:highlight>
               </a:rPr>
-              <a:t>Sesja 2: Zaawansowane Tematy </a:t>
-            </a:r>
-            <a:r>
-              <a:rPr lang="pl-PL" sz="1800" dirty="0" err="1">
-                <a:highlight>
-                  <a:srgbClr val="00FF00"/>
-                </a:highlight>
-              </a:rPr>
-              <a:t>OpenTelemetry</a:t>
-            </a:r>
-            <a:r>
-              <a:rPr lang="pl-PL" sz="1800" dirty="0">
-                <a:highlight>
-                  <a:srgbClr val="00FF00"/>
-                </a:highlight>
-              </a:rPr>
-              <a:t>: Minimalizacja obciążenia </a:t>
+              <a:t>Sesja 1: Zaawansowane Tematy OpenTelemetry: Minimalizacja obciążenia </a:t>
             </a:r>
             <a:endParaRPr lang="pl-PL" sz="2000" dirty="0">
               <a:highlight>
@@ -11692,23 +11519,7 @@
                   <a:srgbClr val="00FF00"/>
                 </a:highlight>
               </a:rPr>
-              <a:t>Sesja 2: Zaawansowane Tematy </a:t>
-            </a:r>
-            <a:r>
-              <a:rPr lang="pl-PL" sz="1800" dirty="0" err="1">
-                <a:highlight>
-                  <a:srgbClr val="00FF00"/>
-                </a:highlight>
-              </a:rPr>
-              <a:t>OpenTelemetry</a:t>
-            </a:r>
-            <a:r>
-              <a:rPr lang="pl-PL" sz="1800" dirty="0">
-                <a:highlight>
-                  <a:srgbClr val="00FF00"/>
-                </a:highlight>
-              </a:rPr>
-              <a:t>: Minimalizacja obciążenia </a:t>
+              <a:t>Sesja 1: Zaawansowane Tematy OpenTelemetry: Minimalizacja obciążenia </a:t>
             </a:r>
             <a:endParaRPr lang="pl-PL" sz="2000" dirty="0">
               <a:highlight>
@@ -11912,23 +11723,7 @@
                   <a:srgbClr val="00FF00"/>
                 </a:highlight>
               </a:rPr>
-              <a:t>Sesja 2: Zaawansowane Tematy </a:t>
-            </a:r>
-            <a:r>
-              <a:rPr lang="pl-PL" sz="1800" dirty="0" err="1">
-                <a:highlight>
-                  <a:srgbClr val="00FF00"/>
-                </a:highlight>
-              </a:rPr>
-              <a:t>OpenTelemetry</a:t>
-            </a:r>
-            <a:r>
-              <a:rPr lang="pl-PL" sz="1800" dirty="0">
-                <a:highlight>
-                  <a:srgbClr val="00FF00"/>
-                </a:highlight>
-              </a:rPr>
-              <a:t>: Minimalizacja obciążenia </a:t>
+              <a:t>Sesja 1: Zaawansowane Tematy OpenTelemetry: Minimalizacja obciążenia </a:t>
             </a:r>
             <a:endParaRPr lang="pl-PL" sz="2000" dirty="0">
               <a:highlight>
@@ -12173,23 +11968,7 @@
                   <a:srgbClr val="00FF00"/>
                 </a:highlight>
               </a:rPr>
-              <a:t>Sesja 2: Zaawansowane Tematy </a:t>
-            </a:r>
-            <a:r>
-              <a:rPr lang="pl-PL" sz="1800" dirty="0" err="1">
-                <a:highlight>
-                  <a:srgbClr val="00FF00"/>
-                </a:highlight>
-              </a:rPr>
-              <a:t>OpenTelemetry</a:t>
-            </a:r>
-            <a:r>
-              <a:rPr lang="pl-PL" sz="1800" dirty="0">
-                <a:highlight>
-                  <a:srgbClr val="00FF00"/>
-                </a:highlight>
-              </a:rPr>
-              <a:t>: Minimalizacja obciążenia </a:t>
+              <a:t>Sesja 1: Zaawansowane Tematy OpenTelemetry: Minimalizacja obciążenia </a:t>
             </a:r>
             <a:endParaRPr lang="pl-PL" sz="2000" dirty="0">
               <a:highlight>
